--- a/Szakdolgozat/Megvalósítás/Projektmunka4/MunkácsiZoltán_PREZ.pptx
+++ b/Szakdolgozat/Megvalósítás/Projektmunka4/MunkácsiZoltán_PREZ.pptx
@@ -8,16 +8,17 @@
     <p:sldMasterId id="2147483729" r:id="rId4"/>
   </p:sldMasterIdLst>
   <p:notesMasterIdLst>
-    <p:notesMasterId r:id="rId12"/>
+    <p:notesMasterId r:id="rId13"/>
   </p:notesMasterIdLst>
   <p:sldIdLst>
     <p:sldId id="272" r:id="rId5"/>
     <p:sldId id="261" r:id="rId6"/>
     <p:sldId id="287" r:id="rId7"/>
-    <p:sldId id="288" r:id="rId8"/>
-    <p:sldId id="289" r:id="rId9"/>
-    <p:sldId id="290" r:id="rId10"/>
-    <p:sldId id="286" r:id="rId11"/>
+    <p:sldId id="291" r:id="rId8"/>
+    <p:sldId id="288" r:id="rId9"/>
+    <p:sldId id="289" r:id="rId10"/>
+    <p:sldId id="290" r:id="rId11"/>
+    <p:sldId id="286" r:id="rId12"/>
   </p:sldIdLst>
   <p:sldSz cx="12192000" cy="6858000"/>
   <p:notesSz cx="6858000" cy="9144000"/>
@@ -206,7 +207,7 @@
           <a:p>
             <a:fld id="{53D1CC1C-E04F-5746-9273-0C628152FE6F}" type="datetimeFigureOut">
               <a:rPr lang="en-US" smtClean="0"/>
-              <a:t>4/26/2022</a:t>
+              <a:t>5/14/2022</a:t>
             </a:fld>
             <a:endParaRPr lang="en-US"/>
           </a:p>
@@ -2455,7 +2456,7 @@
           <a:p>
             <a:fld id="{26F46B77-3FC3-A04F-9C6A-B25B169093BF}" type="datetimeFigureOut">
               <a:rPr lang="en-US" smtClean="0"/>
-              <a:t>4/26/2022</a:t>
+              <a:t>5/14/2022</a:t>
             </a:fld>
             <a:endParaRPr lang="en-US"/>
           </a:p>
@@ -5831,7 +5832,7 @@
           <a:p>
             <a:fld id="{26F46B77-3FC3-A04F-9C6A-B25B169093BF}" type="datetimeFigureOut">
               <a:rPr lang="en-US" smtClean="0"/>
-              <a:t>4/26/2022</a:t>
+              <a:t>5/14/2022</a:t>
             </a:fld>
             <a:endParaRPr lang="en-US"/>
           </a:p>
@@ -8576,7 +8577,7 @@
           <a:p>
             <a:fld id="{26F46B77-3FC3-A04F-9C6A-B25B169093BF}" type="datetimeFigureOut">
               <a:rPr lang="en-US" smtClean="0"/>
-              <a:t>4/26/2022</a:t>
+              <a:t>5/14/2022</a:t>
             </a:fld>
             <a:endParaRPr lang="en-US"/>
           </a:p>
@@ -11514,7 +11515,7 @@
           <a:p>
             <a:fld id="{26F46B77-3FC3-A04F-9C6A-B25B169093BF}" type="datetimeFigureOut">
               <a:rPr lang="en-US" smtClean="0"/>
-              <a:t>4/26/2022</a:t>
+              <a:t>5/14/2022</a:t>
             </a:fld>
             <a:endParaRPr lang="en-US"/>
           </a:p>
@@ -12148,7 +12149,7 @@
             <a:fld id="{26F46B77-3FC3-A04F-9C6A-B25B169093BF}" type="datetimeFigureOut">
               <a:rPr lang="en-US" smtClean="0"/>
               <a:pPr/>
-              <a:t>4/26/2022</a:t>
+              <a:t>5/14/2022</a:t>
             </a:fld>
             <a:endParaRPr lang="en-US" dirty="0"/>
           </a:p>
@@ -12704,7 +12705,7 @@
             <a:fld id="{26F46B77-3FC3-A04F-9C6A-B25B169093BF}" type="datetimeFigureOut">
               <a:rPr lang="en-US" smtClean="0"/>
               <a:pPr/>
-              <a:t>4/26/2022</a:t>
+              <a:t>5/14/2022</a:t>
             </a:fld>
             <a:endParaRPr lang="en-US" dirty="0"/>
           </a:p>
@@ -13257,7 +13258,7 @@
             <a:fld id="{26F46B77-3FC3-A04F-9C6A-B25B169093BF}" type="datetimeFigureOut">
               <a:rPr lang="en-US" smtClean="0"/>
               <a:pPr/>
-              <a:t>4/26/2022</a:t>
+              <a:t>5/14/2022</a:t>
             </a:fld>
             <a:endParaRPr lang="en-US" dirty="0"/>
           </a:p>
@@ -13808,7 +13809,7 @@
             <a:fld id="{26F46B77-3FC3-A04F-9C6A-B25B169093BF}" type="datetimeFigureOut">
               <a:rPr lang="en-US" smtClean="0"/>
               <a:pPr/>
-              <a:t>4/26/2022</a:t>
+              <a:t>5/14/2022</a:t>
             </a:fld>
             <a:endParaRPr lang="en-US" dirty="0"/>
           </a:p>
@@ -14401,7 +14402,7 @@
         <p:spPr>
           <a:xfrm>
             <a:off x="487222" y="2487591"/>
-            <a:ext cx="10657028" cy="2585323"/>
+            <a:ext cx="10369832" cy="3323987"/>
           </a:xfrm>
           <a:prstGeom prst="rect">
             <a:avLst/>
@@ -14416,7 +14417,7 @@
           <a:p>
             <a:pPr marL="285750" indent="-285750">
               <a:lnSpc>
-                <a:spcPct val="150000"/>
+                <a:spcPct val="200000"/>
               </a:lnSpc>
               <a:buFont typeface="Arial" panose="020B0604020202020204" pitchFamily="34" charset="0"/>
               <a:buChar char="•"/>
@@ -14428,13 +14429,13 @@
                 </a:solidFill>
                 <a:latin typeface="Bahnschrift Light" panose="020B0502040204020203" pitchFamily="34" charset="0"/>
               </a:rPr>
-              <a:t>AI és ML használatának elterjedése a sportban</a:t>
+              <a:t>Adatalapú döntéstámogatás megjelenése a futballban</a:t>
             </a:r>
           </a:p>
           <a:p>
             <a:pPr marL="285750" indent="-285750">
               <a:lnSpc>
-                <a:spcPct val="150000"/>
+                <a:spcPct val="200000"/>
               </a:lnSpc>
               <a:buFont typeface="Arial" panose="020B0604020202020204" pitchFamily="34" charset="0"/>
               <a:buChar char="•"/>
@@ -14446,31 +14447,13 @@
                 </a:solidFill>
                 <a:latin typeface="Bahnschrift Light" panose="020B0502040204020203" pitchFamily="34" charset="0"/>
               </a:rPr>
-              <a:t>Focicsapatok lehetősége a korszerű módszerek használatára</a:t>
+              <a:t>Játékosok értékelése, összehasonlítása számított mutatók alapján</a:t>
             </a:r>
           </a:p>
           <a:p>
             <a:pPr marL="285750" indent="-285750">
               <a:lnSpc>
-                <a:spcPct val="150000"/>
-              </a:lnSpc>
-              <a:buFont typeface="Arial" panose="020B0604020202020204" pitchFamily="34" charset="0"/>
-              <a:buChar char="•"/>
-            </a:pPr>
-            <a:r>
-              <a:rPr lang="hu-HU" sz="2400" dirty="0">
-                <a:solidFill>
-                  <a:schemeClr val="bg1"/>
-                </a:solidFill>
-                <a:latin typeface="Bahnschrift Light" panose="020B0502040204020203" pitchFamily="34" charset="0"/>
-              </a:rPr>
-              <a:t>Játékosok értékelése, összehasonlíthatósága számított mutatók alapján</a:t>
-            </a:r>
-          </a:p>
-          <a:p>
-            <a:pPr marL="285750" indent="-285750">
-              <a:lnSpc>
-                <a:spcPct val="150000"/>
+                <a:spcPct val="200000"/>
               </a:lnSpc>
               <a:buFont typeface="Arial" panose="020B0604020202020204" pitchFamily="34" charset="0"/>
               <a:buChar char="•"/>
@@ -14492,6 +14475,24 @@
                 <a:latin typeface="Bahnschrift Light" panose="020B0502040204020203" pitchFamily="34" charset="0"/>
               </a:rPr>
               <a:t> Manager</a:t>
+            </a:r>
+          </a:p>
+          <a:p>
+            <a:pPr marL="285750" indent="-285750">
+              <a:lnSpc>
+                <a:spcPct val="200000"/>
+              </a:lnSpc>
+              <a:buFont typeface="Arial" panose="020B0604020202020204" pitchFamily="34" charset="0"/>
+              <a:buChar char="•"/>
+            </a:pPr>
+            <a:r>
+              <a:rPr lang="hu-HU" sz="2400" dirty="0">
+                <a:solidFill>
+                  <a:schemeClr val="bg1"/>
+                </a:solidFill>
+                <a:latin typeface="Bahnschrift Light" panose="020B0502040204020203" pitchFamily="34" charset="0"/>
+              </a:rPr>
+              <a:t>Szakdolgozat célja</a:t>
             </a:r>
           </a:p>
           <a:p>
@@ -14552,8 +14553,8 @@
         </p:nvSpPr>
         <p:spPr>
           <a:xfrm>
-            <a:off x="2754775" y="671331"/>
-            <a:ext cx="5612434" cy="523220"/>
+            <a:off x="3615587" y="532434"/>
+            <a:ext cx="3890809" cy="523220"/>
           </a:xfrm>
           <a:prstGeom prst="rect">
             <a:avLst/>
@@ -14567,14 +14568,23 @@
           <a:lstStyle/>
           <a:p>
             <a:r>
-              <a:rPr lang="hu-HU" sz="2800" b="0" i="0" dirty="0">
+              <a:rPr lang="hu-HU" sz="2800">
+                <a:solidFill>
+                  <a:schemeClr val="bg1"/>
+                </a:solidFill>
+                <a:latin typeface="Bahnschrift" panose="020B0502040204020203" pitchFamily="34" charset="0"/>
+              </a:rPr>
+              <a:t>M</a:t>
+            </a:r>
+            <a:r>
+              <a:rPr lang="hu-HU" sz="2800" b="0" i="0">
                 <a:solidFill>
                   <a:schemeClr val="bg1"/>
                 </a:solidFill>
                 <a:effectLst/>
                 <a:latin typeface="Bahnschrift" panose="020B0502040204020203" pitchFamily="34" charset="0"/>
               </a:rPr>
-              <a:t>Általam megvalósítandó rendszer</a:t>
+              <a:t>egvalósított rendszer</a:t>
             </a:r>
             <a:endParaRPr lang="hu-HU" sz="2800" dirty="0">
               <a:solidFill>
@@ -14600,7 +14610,7 @@
         <p:spPr>
           <a:xfrm>
             <a:off x="232478" y="1697016"/>
-            <a:ext cx="10657028" cy="5909310"/>
+            <a:ext cx="10657028" cy="5493812"/>
           </a:xfrm>
           <a:prstGeom prst="rect">
             <a:avLst/>
@@ -14619,7 +14629,7 @@
               </a:lnSpc>
             </a:pPr>
             <a:r>
-              <a:rPr lang="hu-HU" dirty="0">
+              <a:rPr lang="hu-HU">
                 <a:solidFill>
                   <a:schemeClr val="bg1"/>
                 </a:solidFill>
@@ -14637,13 +14647,13 @@
               <a:buAutoNum type="arabicPeriod"/>
             </a:pPr>
             <a:r>
-              <a:rPr lang="hu-HU" dirty="0">
+              <a:rPr lang="hu-HU">
                 <a:solidFill>
                   <a:schemeClr val="bg1"/>
                 </a:solidFill>
                 <a:latin typeface="Bahnschrift Light" panose="020B0502040204020203" pitchFamily="34" charset="0"/>
               </a:rPr>
-              <a:t>Játékosok adatainak, pontjainak listázása</a:t>
+              <a:t>Játékosok adatainak, pontjainak megjelenítése</a:t>
             </a:r>
           </a:p>
           <a:p>
@@ -14655,13 +14665,13 @@
               <a:buChar char="•"/>
             </a:pPr>
             <a:r>
-              <a:rPr lang="hu-HU" dirty="0">
+              <a:rPr lang="hu-HU">
                 <a:solidFill>
                   <a:schemeClr val="bg1"/>
                 </a:solidFill>
                 <a:latin typeface="Bahnschrift Light" panose="020B0502040204020203" pitchFamily="34" charset="0"/>
               </a:rPr>
-              <a:t>Szűrő és rendezési lehetőségek a megjelenített mezők alapján</a:t>
+              <a:t>Szűrő és rendezési lehetőségek</a:t>
             </a:r>
           </a:p>
           <a:p>
@@ -14673,25 +14683,7 @@
               <a:buChar char="•"/>
             </a:pPr>
             <a:r>
-              <a:rPr lang="hu-HU" dirty="0">
-                <a:solidFill>
-                  <a:schemeClr val="bg1"/>
-                </a:solidFill>
-                <a:latin typeface="Bahnschrift Light" panose="020B0502040204020203" pitchFamily="34" charset="0"/>
-              </a:rPr>
-              <a:t>Részletes keresési lehetőség</a:t>
-            </a:r>
-          </a:p>
-          <a:p>
-            <a:pPr marL="2171700" lvl="4" indent="-342900">
-              <a:lnSpc>
-                <a:spcPct val="150000"/>
-              </a:lnSpc>
-              <a:buFont typeface="Arial" panose="020B0604020202020204" pitchFamily="34" charset="0"/>
-              <a:buChar char="•"/>
-            </a:pPr>
-            <a:r>
-              <a:rPr lang="hu-HU" dirty="0">
+              <a:rPr lang="hu-HU">
                 <a:solidFill>
                   <a:schemeClr val="bg1"/>
                 </a:solidFill>
@@ -14709,13 +14701,13 @@
               <a:buAutoNum type="arabicPeriod"/>
             </a:pPr>
             <a:r>
-              <a:rPr lang="hu-HU" dirty="0">
+              <a:rPr lang="hu-HU">
                 <a:solidFill>
                   <a:schemeClr val="bg1"/>
                 </a:solidFill>
                 <a:latin typeface="Bahnschrift Light" panose="020B0502040204020203" pitchFamily="34" charset="0"/>
               </a:rPr>
-              <a:t>Csapatok listázása</a:t>
+              <a:t>Csapatok megjelenítése</a:t>
             </a:r>
           </a:p>
           <a:p>
@@ -14727,13 +14719,13 @@
               <a:buChar char="•"/>
             </a:pPr>
             <a:r>
-              <a:rPr lang="hu-HU" dirty="0">
+              <a:rPr lang="hu-HU">
                 <a:solidFill>
                   <a:schemeClr val="bg1"/>
                 </a:solidFill>
                 <a:latin typeface="Bahnschrift Light" panose="020B0502040204020203" pitchFamily="34" charset="0"/>
               </a:rPr>
-              <a:t>Részletes keresési lehetőség</a:t>
+              <a:t>Szűrő lehetőségek</a:t>
             </a:r>
           </a:p>
           <a:p>
@@ -14745,13 +14737,13 @@
               <a:buAutoNum type="arabicPeriod"/>
             </a:pPr>
             <a:r>
-              <a:rPr lang="hu-HU" dirty="0">
+              <a:rPr lang="hu-HU">
                 <a:solidFill>
                   <a:schemeClr val="bg1"/>
                 </a:solidFill>
                 <a:latin typeface="Bahnschrift Light" panose="020B0502040204020203" pitchFamily="34" charset="0"/>
               </a:rPr>
-              <a:t>Játékos ajánlás gépi tanulás segítségével</a:t>
+              <a:t>Játékos ajánlás, gépi tanulás segítségével</a:t>
             </a:r>
           </a:p>
           <a:p>
@@ -14763,13 +14755,13 @@
               <a:buChar char="•"/>
             </a:pPr>
             <a:r>
-              <a:rPr lang="hu-HU" dirty="0">
+              <a:rPr lang="hu-HU">
                 <a:solidFill>
                   <a:schemeClr val="bg1"/>
                 </a:solidFill>
                 <a:latin typeface="Bahnschrift Light" panose="020B0502040204020203" pitchFamily="34" charset="0"/>
               </a:rPr>
-              <a:t>A felhasználó által kiválasztott játékoshoz hasonló profilú játékosok</a:t>
+              <a:t>A felhasználó által kiválasztott játékoshoz hasonló stílusú játékosok keresése</a:t>
             </a:r>
           </a:p>
           <a:p>
@@ -14781,7 +14773,7 @@
               <a:buChar char="•"/>
             </a:pPr>
             <a:r>
-              <a:rPr lang="hu-HU" dirty="0">
+              <a:rPr lang="hu-HU">
                 <a:solidFill>
                   <a:schemeClr val="bg1"/>
                 </a:solidFill>
@@ -14790,14 +14782,14 @@
               <a:t>A felhasználó által megadott poszton alulértékelt játékosok keresése</a:t>
             </a:r>
             <a:br>
-              <a:rPr lang="hu-HU" dirty="0">
+              <a:rPr lang="hu-HU">
                 <a:solidFill>
                   <a:schemeClr val="bg1"/>
                 </a:solidFill>
                 <a:latin typeface="Bahnschrift Light" panose="020B0502040204020203" pitchFamily="34" charset="0"/>
               </a:rPr>
             </a:br>
-            <a:endParaRPr lang="hu-HU" dirty="0">
+            <a:endParaRPr lang="hu-HU">
               <a:solidFill>
                 <a:schemeClr val="bg1"/>
               </a:solidFill>
@@ -14812,7 +14804,7 @@
               <a:buFont typeface="+mj-lt"/>
               <a:buAutoNum type="arabicPeriod"/>
             </a:pPr>
-            <a:endParaRPr lang="hu-HU" dirty="0">
+            <a:endParaRPr lang="hu-HU">
               <a:solidFill>
                 <a:schemeClr val="bg1"/>
               </a:solidFill>
@@ -14826,7 +14818,7 @@
               </a:lnSpc>
             </a:pPr>
             <a:r>
-              <a:rPr lang="hu-HU" sz="2400" dirty="0">
+              <a:rPr lang="hu-HU" sz="2400">
                 <a:solidFill>
                   <a:schemeClr val="bg1"/>
                 </a:solidFill>
@@ -14881,300 +14873,213 @@
       </p:grpSpPr>
       <p:sp>
         <p:nvSpPr>
-          <p:cNvPr id="3" name="Szövegdoboz 2">
-            <a:extLst>
-              <a:ext uri="{FF2B5EF4-FFF2-40B4-BE49-F238E27FC236}">
-                <a16:creationId xmlns:a16="http://schemas.microsoft.com/office/drawing/2014/main" id="{8215BF80-8C55-47C8-A0A9-72836FFCB16E}"/>
-              </a:ext>
-            </a:extLst>
-          </p:cNvPr>
-          <p:cNvSpPr txBox="1"/>
+          <p:cNvPr id="2" name="Szöveg helye 1">
+            <a:extLst>
+              <a:ext uri="{FF2B5EF4-FFF2-40B4-BE49-F238E27FC236}">
+                <a16:creationId xmlns:a16="http://schemas.microsoft.com/office/drawing/2014/main" id="{19A0C90F-832E-FCE5-E965-FC35E8B9ED5C}"/>
+              </a:ext>
+            </a:extLst>
+          </p:cNvPr>
+          <p:cNvSpPr>
+            <a:spLocks noGrp="1"/>
+          </p:cNvSpPr>
+          <p:nvPr>
+            <p:ph type="body" idx="1"/>
+          </p:nvPr>
+        </p:nvSpPr>
+        <p:spPr/>
+        <p:txBody>
+          <a:bodyPr/>
+          <a:lstStyle/>
+          <a:p>
+            <a:endParaRPr lang="hu-HU"/>
+          </a:p>
+        </p:txBody>
+      </p:sp>
+      <p:sp>
+        <p:nvSpPr>
+          <p:cNvPr id="3" name="Tartalom helye 2">
+            <a:extLst>
+              <a:ext uri="{FF2B5EF4-FFF2-40B4-BE49-F238E27FC236}">
+                <a16:creationId xmlns:a16="http://schemas.microsoft.com/office/drawing/2014/main" id="{ABAB13FB-1F3F-489C-5A9E-49F1F3328876}"/>
+              </a:ext>
+            </a:extLst>
+          </p:cNvPr>
+          <p:cNvSpPr>
+            <a:spLocks noGrp="1"/>
+          </p:cNvSpPr>
+          <p:nvPr>
+            <p:ph sz="half" idx="2"/>
+          </p:nvPr>
+        </p:nvSpPr>
+        <p:spPr/>
+        <p:txBody>
+          <a:bodyPr/>
+          <a:lstStyle/>
+          <a:p>
+            <a:endParaRPr lang="hu-HU"/>
+          </a:p>
+        </p:txBody>
+      </p:sp>
+      <p:sp>
+        <p:nvSpPr>
+          <p:cNvPr id="4" name="Szöveg helye 3">
+            <a:extLst>
+              <a:ext uri="{FF2B5EF4-FFF2-40B4-BE49-F238E27FC236}">
+                <a16:creationId xmlns:a16="http://schemas.microsoft.com/office/drawing/2014/main" id="{A00DF262-6573-60D9-C68B-FF8B578C5F29}"/>
+              </a:ext>
+            </a:extLst>
+          </p:cNvPr>
+          <p:cNvSpPr>
+            <a:spLocks noGrp="1"/>
+          </p:cNvSpPr>
+          <p:nvPr>
+            <p:ph type="body" sz="quarter" idx="3"/>
+          </p:nvPr>
+        </p:nvSpPr>
+        <p:spPr/>
+        <p:txBody>
+          <a:bodyPr/>
+          <a:lstStyle/>
+          <a:p>
+            <a:endParaRPr lang="hu-HU"/>
+          </a:p>
+        </p:txBody>
+      </p:sp>
+      <p:sp>
+        <p:nvSpPr>
+          <p:cNvPr id="5" name="Tartalom helye 4">
+            <a:extLst>
+              <a:ext uri="{FF2B5EF4-FFF2-40B4-BE49-F238E27FC236}">
+                <a16:creationId xmlns:a16="http://schemas.microsoft.com/office/drawing/2014/main" id="{9F745CDA-647A-87FD-F9A0-0E30D93966EB}"/>
+              </a:ext>
+            </a:extLst>
+          </p:cNvPr>
+          <p:cNvSpPr>
+            <a:spLocks noGrp="1"/>
+          </p:cNvSpPr>
+          <p:nvPr>
+            <p:ph sz="quarter" idx="4"/>
+          </p:nvPr>
+        </p:nvSpPr>
+        <p:spPr/>
+        <p:txBody>
+          <a:bodyPr/>
+          <a:lstStyle/>
+          <a:p>
+            <a:endParaRPr lang="hu-HU"/>
+          </a:p>
+        </p:txBody>
+      </p:sp>
+      <p:sp>
+        <p:nvSpPr>
+          <p:cNvPr id="6" name="Szöveg helye 5">
+            <a:extLst>
+              <a:ext uri="{FF2B5EF4-FFF2-40B4-BE49-F238E27FC236}">
+                <a16:creationId xmlns:a16="http://schemas.microsoft.com/office/drawing/2014/main" id="{7655E318-F12B-B511-32F9-136E99E40B99}"/>
+              </a:ext>
+            </a:extLst>
+          </p:cNvPr>
+          <p:cNvSpPr>
+            <a:spLocks noGrp="1"/>
+          </p:cNvSpPr>
+          <p:nvPr>
+            <p:ph type="body" sz="quarter" idx="10"/>
+          </p:nvPr>
+        </p:nvSpPr>
+        <p:spPr/>
+        <p:txBody>
+          <a:bodyPr/>
+          <a:lstStyle/>
+          <a:p>
+            <a:endParaRPr lang="hu-HU"/>
+          </a:p>
+        </p:txBody>
+      </p:sp>
+      <p:sp>
+        <p:nvSpPr>
+          <p:cNvPr id="7" name="Szöveg helye 6">
+            <a:extLst>
+              <a:ext uri="{FF2B5EF4-FFF2-40B4-BE49-F238E27FC236}">
+                <a16:creationId xmlns:a16="http://schemas.microsoft.com/office/drawing/2014/main" id="{B7AB8BA4-1489-AC41-A431-4F1B0C25D642}"/>
+              </a:ext>
+            </a:extLst>
+          </p:cNvPr>
+          <p:cNvSpPr>
+            <a:spLocks noGrp="1"/>
+          </p:cNvSpPr>
+          <p:nvPr>
+            <p:ph type="body" sz="quarter" idx="11"/>
+          </p:nvPr>
+        </p:nvSpPr>
+        <p:spPr/>
+        <p:txBody>
+          <a:bodyPr/>
+          <a:lstStyle/>
+          <a:p>
+            <a:endParaRPr lang="hu-HU"/>
+          </a:p>
+        </p:txBody>
+      </p:sp>
+      <p:sp>
+        <p:nvSpPr>
+          <p:cNvPr id="8" name="Szöveg helye 7">
+            <a:extLst>
+              <a:ext uri="{FF2B5EF4-FFF2-40B4-BE49-F238E27FC236}">
+                <a16:creationId xmlns:a16="http://schemas.microsoft.com/office/drawing/2014/main" id="{9835CB4B-C7D2-5E0D-1D4C-33A9BBD3B545}"/>
+              </a:ext>
+            </a:extLst>
+          </p:cNvPr>
+          <p:cNvSpPr>
+            <a:spLocks noGrp="1"/>
+          </p:cNvSpPr>
+          <p:nvPr>
+            <p:ph type="body" sz="quarter" idx="12"/>
+          </p:nvPr>
+        </p:nvSpPr>
+        <p:spPr/>
+        <p:txBody>
+          <a:bodyPr/>
+          <a:lstStyle/>
+          <a:p>
+            <a:endParaRPr lang="hu-HU"/>
+          </a:p>
+        </p:txBody>
+      </p:sp>
+      <p:pic>
+        <p:nvPicPr>
+          <p:cNvPr id="10" name="Kép 9">
+            <a:extLst>
+              <a:ext uri="{FF2B5EF4-FFF2-40B4-BE49-F238E27FC236}">
+                <a16:creationId xmlns:a16="http://schemas.microsoft.com/office/drawing/2014/main" id="{E04F0B78-1FC7-022C-85A0-CE8E82D161C3}"/>
+              </a:ext>
+            </a:extLst>
+          </p:cNvPr>
+          <p:cNvPicPr>
+            <a:picLocks noChangeAspect="1"/>
+          </p:cNvPicPr>
           <p:nvPr/>
-        </p:nvSpPr>
-        <p:spPr>
-          <a:xfrm>
-            <a:off x="4415486" y="671331"/>
-            <a:ext cx="2291012" cy="523220"/>
+        </p:nvPicPr>
+        <p:blipFill>
+          <a:blip r:embed="rId2"/>
+          <a:stretch>
+            <a:fillRect/>
+          </a:stretch>
+        </p:blipFill>
+        <p:spPr>
+          <a:xfrm>
+            <a:off x="0" y="1421132"/>
+            <a:ext cx="12192000" cy="5436868"/>
           </a:xfrm>
           <a:prstGeom prst="rect">
             <a:avLst/>
           </a:prstGeom>
-          <a:noFill/>
-        </p:spPr>
-        <p:txBody>
-          <a:bodyPr wrap="none" rtlCol="0">
-            <a:spAutoFit/>
-          </a:bodyPr>
-          <a:lstStyle/>
-          <a:p>
-            <a:r>
-              <a:rPr lang="hu-HU" sz="2800" b="0" i="0" dirty="0">
-                <a:solidFill>
-                  <a:schemeClr val="bg1"/>
-                </a:solidFill>
-                <a:effectLst/>
-                <a:latin typeface="Bahnschrift" panose="020B0502040204020203" pitchFamily="34" charset="0"/>
-              </a:rPr>
-              <a:t>Megvalósítás</a:t>
-            </a:r>
-            <a:endParaRPr lang="hu-HU" sz="2800" dirty="0">
-              <a:solidFill>
-                <a:schemeClr val="bg1"/>
-              </a:solidFill>
-              <a:latin typeface="Bahnschrift" panose="020B0502040204020203" pitchFamily="34" charset="0"/>
-            </a:endParaRPr>
-          </a:p>
-        </p:txBody>
-      </p:sp>
-      <p:sp>
-        <p:nvSpPr>
-          <p:cNvPr id="9" name="Szövegdoboz 8">
-            <a:extLst>
-              <a:ext uri="{FF2B5EF4-FFF2-40B4-BE49-F238E27FC236}">
-                <a16:creationId xmlns:a16="http://schemas.microsoft.com/office/drawing/2014/main" id="{B984CA59-59D3-45EF-891E-207688B1DFCB}"/>
-              </a:ext>
-            </a:extLst>
-          </p:cNvPr>
-          <p:cNvSpPr txBox="1"/>
-          <p:nvPr/>
-        </p:nvSpPr>
-        <p:spPr>
-          <a:xfrm>
-            <a:off x="232478" y="1697016"/>
-            <a:ext cx="10657028" cy="4247317"/>
-          </a:xfrm>
-          <a:prstGeom prst="rect">
-            <a:avLst/>
-          </a:prstGeom>
-          <a:noFill/>
-        </p:spPr>
-        <p:txBody>
-          <a:bodyPr wrap="square" rtlCol="0">
-            <a:spAutoFit/>
-          </a:bodyPr>
-          <a:lstStyle/>
-          <a:p>
-            <a:pPr marL="342900" indent="-342900">
-              <a:buFont typeface="+mj-lt"/>
-              <a:buAutoNum type="arabicPeriod"/>
-            </a:pPr>
-            <a:r>
-              <a:rPr lang="hu-HU" dirty="0">
-                <a:solidFill>
-                  <a:schemeClr val="bg1"/>
-                </a:solidFill>
-                <a:latin typeface="Bahnschrift Light" panose="020B0502040204020203" pitchFamily="34" charset="0"/>
-              </a:rPr>
-              <a:t>Adatbázis</a:t>
-            </a:r>
-          </a:p>
-          <a:p>
-            <a:pPr marL="742950" lvl="1" indent="-285750">
-              <a:buFont typeface="Arial" panose="020B0604020202020204" pitchFamily="34" charset="0"/>
-              <a:buChar char="•"/>
-            </a:pPr>
-            <a:r>
-              <a:rPr lang="hu-HU" dirty="0">
-                <a:solidFill>
-                  <a:schemeClr val="bg1"/>
-                </a:solidFill>
-                <a:latin typeface="Bahnschrift Light" panose="020B0502040204020203" pitchFamily="34" charset="0"/>
-              </a:rPr>
-              <a:t>Adatmodell</a:t>
-            </a:r>
-          </a:p>
-          <a:p>
-            <a:pPr marL="742950" lvl="1" indent="-285750">
-              <a:buFont typeface="Arial" panose="020B0604020202020204" pitchFamily="34" charset="0"/>
-              <a:buChar char="•"/>
-            </a:pPr>
-            <a:r>
-              <a:rPr lang="hu-HU" dirty="0">
-                <a:solidFill>
-                  <a:schemeClr val="bg1"/>
-                </a:solidFill>
-                <a:latin typeface="Bahnschrift Light" panose="020B0502040204020203" pitchFamily="34" charset="0"/>
-              </a:rPr>
-              <a:t>Adattisztítás</a:t>
-            </a:r>
-          </a:p>
-          <a:p>
-            <a:pPr marL="742950" lvl="1" indent="-285750">
-              <a:buFont typeface="Arial" panose="020B0604020202020204" pitchFamily="34" charset="0"/>
-              <a:buChar char="•"/>
-            </a:pPr>
-            <a:r>
-              <a:rPr lang="hu-HU" dirty="0">
-                <a:solidFill>
-                  <a:schemeClr val="bg1"/>
-                </a:solidFill>
-                <a:latin typeface="Bahnschrift Light" panose="020B0502040204020203" pitchFamily="34" charset="0"/>
-              </a:rPr>
-              <a:t>Kulcsok, indexek</a:t>
-            </a:r>
-          </a:p>
-          <a:p>
-            <a:pPr lvl="1"/>
-            <a:endParaRPr lang="hu-HU" dirty="0">
-              <a:solidFill>
-                <a:schemeClr val="bg1"/>
-              </a:solidFill>
-              <a:latin typeface="Bahnschrift Light" panose="020B0502040204020203" pitchFamily="34" charset="0"/>
-            </a:endParaRPr>
-          </a:p>
-          <a:p>
-            <a:pPr marL="342900" indent="-342900">
-              <a:buFont typeface="+mj-lt"/>
-              <a:buAutoNum type="arabicPeriod"/>
-            </a:pPr>
-            <a:r>
-              <a:rPr lang="hu-HU" dirty="0">
-                <a:solidFill>
-                  <a:schemeClr val="bg1"/>
-                </a:solidFill>
-                <a:latin typeface="Bahnschrift Light" panose="020B0502040204020203" pitchFamily="34" charset="0"/>
-              </a:rPr>
-              <a:t>Webalkalmazás</a:t>
-            </a:r>
-          </a:p>
-          <a:p>
-            <a:pPr marL="800100" lvl="1" indent="-342900">
-              <a:buFont typeface="Arial" panose="020B0604020202020204" pitchFamily="34" charset="0"/>
-              <a:buChar char="•"/>
-            </a:pPr>
-            <a:r>
-              <a:rPr lang="hu-HU" dirty="0">
-                <a:solidFill>
-                  <a:schemeClr val="bg1"/>
-                </a:solidFill>
-                <a:latin typeface="Bahnschrift Light" panose="020B0502040204020203" pitchFamily="34" charset="0"/>
-              </a:rPr>
-              <a:t>Felület kialakítása</a:t>
-            </a:r>
-          </a:p>
-          <a:p>
-            <a:pPr marL="800100" lvl="1" indent="-342900">
-              <a:buFont typeface="Arial" panose="020B0604020202020204" pitchFamily="34" charset="0"/>
-              <a:buChar char="•"/>
-            </a:pPr>
-            <a:r>
-              <a:rPr lang="hu-HU" dirty="0">
-                <a:solidFill>
-                  <a:schemeClr val="bg1"/>
-                </a:solidFill>
-                <a:latin typeface="Bahnschrift Light" panose="020B0502040204020203" pitchFamily="34" charset="0"/>
-              </a:rPr>
-              <a:t>Adatok megszerzése</a:t>
-            </a:r>
-          </a:p>
-          <a:p>
-            <a:pPr marL="742950" lvl="1" indent="-285750">
-              <a:buFont typeface="Arial" panose="020B0604020202020204" pitchFamily="34" charset="0"/>
-              <a:buChar char="•"/>
-            </a:pPr>
-            <a:r>
-              <a:rPr lang="hu-HU" dirty="0">
-                <a:solidFill>
-                  <a:schemeClr val="bg1"/>
-                </a:solidFill>
-                <a:latin typeface="Bahnschrift Light" panose="020B0502040204020203" pitchFamily="34" charset="0"/>
-              </a:rPr>
-              <a:t>Funkciók felépítése</a:t>
-            </a:r>
-          </a:p>
-          <a:p>
-            <a:pPr marL="1200150" lvl="2" indent="-285750">
-              <a:buFont typeface="Arial" panose="020B0604020202020204" pitchFamily="34" charset="0"/>
-              <a:buChar char="•"/>
-            </a:pPr>
-            <a:r>
-              <a:rPr lang="hu-HU" dirty="0">
-                <a:solidFill>
-                  <a:schemeClr val="bg1"/>
-                </a:solidFill>
-                <a:latin typeface="Bahnschrift Light" panose="020B0502040204020203" pitchFamily="34" charset="0"/>
-              </a:rPr>
-              <a:t>SQL lekérések összeállítása</a:t>
-            </a:r>
-          </a:p>
-          <a:p>
-            <a:pPr marL="1200150" lvl="2" indent="-285750">
-              <a:buFont typeface="Arial" panose="020B0604020202020204" pitchFamily="34" charset="0"/>
-              <a:buChar char="•"/>
-            </a:pPr>
-            <a:endParaRPr lang="hu-HU" dirty="0">
-              <a:solidFill>
-                <a:schemeClr val="bg1"/>
-              </a:solidFill>
-              <a:latin typeface="Bahnschrift Light" panose="020B0502040204020203" pitchFamily="34" charset="0"/>
-            </a:endParaRPr>
-          </a:p>
-          <a:p>
-            <a:pPr marL="342900" indent="-342900">
-              <a:buFont typeface="+mj-lt"/>
-              <a:buAutoNum type="arabicPeriod"/>
-            </a:pPr>
-            <a:r>
-              <a:rPr lang="hu-HU" dirty="0">
-                <a:solidFill>
-                  <a:schemeClr val="bg1"/>
-                </a:solidFill>
-                <a:latin typeface="Bahnschrift Light" panose="020B0502040204020203" pitchFamily="34" charset="0"/>
-              </a:rPr>
-              <a:t>Gépi tanuló algoritmusok</a:t>
-            </a:r>
-          </a:p>
-          <a:p>
-            <a:pPr marL="742950" lvl="1" indent="-285750">
-              <a:buFont typeface="Arial" panose="020B0604020202020204" pitchFamily="34" charset="0"/>
-              <a:buChar char="•"/>
-            </a:pPr>
-            <a:r>
-              <a:rPr lang="hu-HU" dirty="0">
-                <a:solidFill>
-                  <a:schemeClr val="bg1"/>
-                </a:solidFill>
-                <a:latin typeface="Bahnschrift Light" panose="020B0502040204020203" pitchFamily="34" charset="0"/>
-              </a:rPr>
-              <a:t>Adatok megszerzése</a:t>
-            </a:r>
-          </a:p>
-          <a:p>
-            <a:pPr marL="742950" lvl="1" indent="-285750">
-              <a:buFont typeface="Arial" panose="020B0604020202020204" pitchFamily="34" charset="0"/>
-              <a:buChar char="•"/>
-            </a:pPr>
-            <a:r>
-              <a:rPr lang="hu-HU" dirty="0">
-                <a:solidFill>
-                  <a:schemeClr val="bg1"/>
-                </a:solidFill>
-                <a:latin typeface="Bahnschrift Light" panose="020B0502040204020203" pitchFamily="34" charset="0"/>
-              </a:rPr>
-              <a:t>Modellek választása</a:t>
-            </a:r>
-          </a:p>
-          <a:p>
-            <a:pPr marL="742950" lvl="1" indent="-285750">
-              <a:buFont typeface="Arial" panose="020B0604020202020204" pitchFamily="34" charset="0"/>
-              <a:buChar char="•"/>
-            </a:pPr>
-            <a:r>
-              <a:rPr lang="hu-HU" dirty="0">
-                <a:solidFill>
-                  <a:schemeClr val="bg1"/>
-                </a:solidFill>
-                <a:latin typeface="Bahnschrift Light" panose="020B0502040204020203" pitchFamily="34" charset="0"/>
-              </a:rPr>
-              <a:t>Felmerülő problémák</a:t>
-            </a:r>
-          </a:p>
-        </p:txBody>
-      </p:sp>
+        </p:spPr>
+      </p:pic>
     </p:spTree>
     <p:extLst>
       <p:ext uri="{BB962C8B-B14F-4D97-AF65-F5344CB8AC3E}">
-        <p14:creationId xmlns:p14="http://schemas.microsoft.com/office/powerpoint/2010/main" val="1005125741"/>
+        <p14:creationId xmlns:p14="http://schemas.microsoft.com/office/powerpoint/2010/main" val="2098523072"/>
       </p:ext>
     </p:extLst>
   </p:cSld>
@@ -15215,8 +15120,8 @@
         </p:nvSpPr>
         <p:spPr>
           <a:xfrm>
-            <a:off x="3108643" y="585606"/>
-            <a:ext cx="5974713" cy="523220"/>
+            <a:off x="4916831" y="555584"/>
+            <a:ext cx="2358338" cy="523220"/>
           </a:xfrm>
           <a:prstGeom prst="rect">
             <a:avLst/>
@@ -15237,7 +15142,7 @@
                 <a:effectLst/>
                 <a:latin typeface="Bahnschrift" panose="020B0502040204020203" pitchFamily="34" charset="0"/>
               </a:rPr>
-              <a:t>Aktuális állapot, hátralévő feladatok</a:t>
+              <a:t>Rendszerterv</a:t>
             </a:r>
             <a:endParaRPr lang="hu-HU" sz="2800" dirty="0">
               <a:solidFill>
@@ -15248,27 +15153,68 @@
           </a:p>
         </p:txBody>
       </p:sp>
-      <p:sp>
-        <p:nvSpPr>
-          <p:cNvPr id="2" name="Szövegdoboz 1">
-            <a:extLst>
-              <a:ext uri="{FF2B5EF4-FFF2-40B4-BE49-F238E27FC236}">
-                <a16:creationId xmlns:a16="http://schemas.microsoft.com/office/drawing/2014/main" id="{81E6FCAE-73E6-48E1-88C6-2A71DC5EC189}"/>
-              </a:ext>
-            </a:extLst>
-          </p:cNvPr>
-          <p:cNvSpPr txBox="1"/>
+      <p:pic>
+        <p:nvPicPr>
+          <p:cNvPr id="4" name="Kép 3">
+            <a:extLst>
+              <a:ext uri="{FF2B5EF4-FFF2-40B4-BE49-F238E27FC236}">
+                <a16:creationId xmlns:a16="http://schemas.microsoft.com/office/drawing/2014/main" id="{BC8BD4A7-7315-2047-C5B7-D1263C7D6CC8}"/>
+              </a:ext>
+            </a:extLst>
+          </p:cNvPr>
+          <p:cNvPicPr>
+            <a:picLocks noChangeAspect="1"/>
+          </p:cNvPicPr>
           <p:nvPr/>
-        </p:nvSpPr>
-        <p:spPr>
-          <a:xfrm>
-            <a:off x="876300" y="1933575"/>
-            <a:ext cx="5610225" cy="3397981"/>
+        </p:nvPicPr>
+        <p:blipFill>
+          <a:blip r:embed="rId2">
+            <a:extLst>
+              <a:ext uri="{28A0092B-C50C-407E-A947-70E740481C1C}">
+                <a14:useLocalDpi xmlns:a14="http://schemas.microsoft.com/office/drawing/2010/main" val="0"/>
+              </a:ext>
+            </a:extLst>
+          </a:blip>
+          <a:srcRect/>
+          <a:stretch>
+            <a:fillRect/>
+          </a:stretch>
+        </p:blipFill>
+        <p:spPr bwMode="auto">
+          <a:xfrm>
+            <a:off x="6771190" y="1676946"/>
+            <a:ext cx="5061995" cy="3504107"/>
           </a:xfrm>
           <a:prstGeom prst="rect">
             <a:avLst/>
           </a:prstGeom>
           <a:noFill/>
+          <a:ln>
+            <a:noFill/>
+          </a:ln>
+        </p:spPr>
+      </p:pic>
+      <p:sp>
+        <p:nvSpPr>
+          <p:cNvPr id="2" name="Szövegdoboz 1">
+            <a:extLst>
+              <a:ext uri="{FF2B5EF4-FFF2-40B4-BE49-F238E27FC236}">
+                <a16:creationId xmlns:a16="http://schemas.microsoft.com/office/drawing/2014/main" id="{FEDB38DF-D42C-7AA5-B4C2-B9516253CCEA}"/>
+              </a:ext>
+            </a:extLst>
+          </p:cNvPr>
+          <p:cNvSpPr txBox="1"/>
+          <p:nvPr/>
+        </p:nvSpPr>
+        <p:spPr>
+          <a:xfrm>
+            <a:off x="142754" y="2210359"/>
+            <a:ext cx="6327494" cy="1125244"/>
+          </a:xfrm>
+          <a:prstGeom prst="rect">
+            <a:avLst/>
+          </a:prstGeom>
+          <a:noFill/>
         </p:spPr>
         <p:txBody>
           <a:bodyPr wrap="square" rtlCol="0">
@@ -15276,75 +15222,39 @@
           </a:bodyPr>
           <a:lstStyle/>
           <a:p>
-            <a:pPr marL="285750" indent="-285750">
+            <a:pPr marL="342900" indent="-342900">
               <a:lnSpc>
-                <a:spcPct val="200000"/>
+                <a:spcPct val="150000"/>
               </a:lnSpc>
               <a:buFont typeface="Arial" panose="020B0604020202020204" pitchFamily="34" charset="0"/>
               <a:buChar char="•"/>
             </a:pPr>
             <a:r>
-              <a:rPr lang="hu-HU" sz="2800" dirty="0">
+              <a:rPr lang="hu-HU" sz="2400" dirty="0">
                 <a:solidFill>
                   <a:schemeClr val="bg1"/>
                 </a:solidFill>
                 <a:latin typeface="Bahnschrift Light" panose="020B0502040204020203" pitchFamily="34" charset="0"/>
               </a:rPr>
-              <a:t>Adatbázis</a:t>
-            </a:r>
-          </a:p>
-          <a:p>
-            <a:pPr marL="285750" indent="-285750">
+              <a:t>Részegységek feladata</a:t>
+            </a:r>
+          </a:p>
+          <a:p>
+            <a:pPr marL="342900" indent="-342900">
               <a:lnSpc>
-                <a:spcPct val="200000"/>
+                <a:spcPct val="150000"/>
               </a:lnSpc>
               <a:buFont typeface="Arial" panose="020B0604020202020204" pitchFamily="34" charset="0"/>
               <a:buChar char="•"/>
             </a:pPr>
             <a:r>
-              <a:rPr lang="hu-HU" sz="2800" dirty="0">
+              <a:rPr lang="hu-HU" sz="2400" dirty="0">
                 <a:solidFill>
                   <a:schemeClr val="bg1"/>
                 </a:solidFill>
                 <a:latin typeface="Bahnschrift Light" panose="020B0502040204020203" pitchFamily="34" charset="0"/>
               </a:rPr>
-              <a:t>Webalkalmazás</a:t>
-            </a:r>
-          </a:p>
-          <a:p>
-            <a:pPr marL="285750" indent="-285750">
-              <a:lnSpc>
-                <a:spcPct val="200000"/>
-              </a:lnSpc>
-              <a:buFont typeface="Arial" panose="020B0604020202020204" pitchFamily="34" charset="0"/>
-              <a:buChar char="•"/>
-            </a:pPr>
-            <a:r>
-              <a:rPr lang="hu-HU" sz="2800" dirty="0">
-                <a:solidFill>
-                  <a:schemeClr val="bg1"/>
-                </a:solidFill>
-                <a:latin typeface="Bahnschrift Light" panose="020B0502040204020203" pitchFamily="34" charset="0"/>
-              </a:rPr>
-              <a:t>ML modellek</a:t>
-            </a:r>
-          </a:p>
-          <a:p>
-            <a:pPr marL="285750" indent="-285750">
-              <a:lnSpc>
-                <a:spcPct val="200000"/>
-              </a:lnSpc>
-              <a:buFont typeface="Arial" panose="020B0604020202020204" pitchFamily="34" charset="0"/>
-              <a:buChar char="•"/>
-            </a:pPr>
-            <a:r>
-              <a:rPr lang="hu-HU" sz="2800" dirty="0">
-                <a:solidFill>
-                  <a:schemeClr val="bg1"/>
-                </a:solidFill>
-                <a:latin typeface="Bahnschrift Light" panose="020B0502040204020203" pitchFamily="34" charset="0"/>
-              </a:rPr>
-              <a:t>Dokumentáció, tesztelés</a:t>
+              <a:t>Közöttük lévő kommunikáció bemutatása</a:t>
             </a:r>
           </a:p>
         </p:txBody>
@@ -15352,7 +15262,7 @@
     </p:spTree>
     <p:extLst>
       <p:ext uri="{BB962C8B-B14F-4D97-AF65-F5344CB8AC3E}">
-        <p14:creationId xmlns:p14="http://schemas.microsoft.com/office/powerpoint/2010/main" val="3747580385"/>
+        <p14:creationId xmlns:p14="http://schemas.microsoft.com/office/powerpoint/2010/main" val="1005125741"/>
       </p:ext>
     </p:extLst>
   </p:cSld>
@@ -15393,8 +15303,8 @@
         </p:nvSpPr>
         <p:spPr>
           <a:xfrm>
-            <a:off x="3108643" y="585606"/>
-            <a:ext cx="5014514" cy="523220"/>
+            <a:off x="2542977" y="615628"/>
+            <a:ext cx="7887096" cy="523220"/>
           </a:xfrm>
           <a:prstGeom prst="rect">
             <a:avLst/>
@@ -15415,7 +15325,7 @@
                 <a:effectLst/>
                 <a:latin typeface="Bahnschrift" panose="020B0502040204020203" pitchFamily="34" charset="0"/>
               </a:rPr>
-              <a:t>Továbbfejlesztési lehetőségek</a:t>
+              <a:t>Elért eredmények és Felhasználási lehetőségek</a:t>
             </a:r>
             <a:endParaRPr lang="hu-HU" sz="2800" dirty="0">
               <a:solidFill>
@@ -15440,8 +15350,8 @@
         </p:nvSpPr>
         <p:spPr>
           <a:xfrm>
-            <a:off x="876300" y="1933575"/>
-            <a:ext cx="11029950" cy="3397981"/>
+            <a:off x="485775" y="2408135"/>
+            <a:ext cx="10834266" cy="2308324"/>
           </a:xfrm>
           <a:prstGeom prst="rect">
             <a:avLst/>
@@ -15455,92 +15365,57 @@
           <a:lstStyle/>
           <a:p>
             <a:pPr marL="285750" indent="-285750">
-              <a:lnSpc>
-                <a:spcPct val="200000"/>
-              </a:lnSpc>
               <a:buFont typeface="Arial" panose="020B0604020202020204" pitchFamily="34" charset="0"/>
               <a:buChar char="•"/>
             </a:pPr>
             <a:r>
-              <a:rPr lang="hu-HU" sz="2800" dirty="0">
+              <a:rPr lang="hu-HU" sz="2400" dirty="0">
                 <a:solidFill>
                   <a:schemeClr val="bg1"/>
                 </a:solidFill>
                 <a:latin typeface="Bahnschrift Light" panose="020B0502040204020203" pitchFamily="34" charset="0"/>
               </a:rPr>
-              <a:t> Több ML funkció</a:t>
-            </a:r>
-          </a:p>
-          <a:p>
-            <a:pPr marL="457200" indent="-457200">
-              <a:lnSpc>
-                <a:spcPct val="200000"/>
-              </a:lnSpc>
+              <a:t>A feladatban kitűzött célok megvalósultak és egy plusz funkció is implementálásra került</a:t>
+            </a:r>
+          </a:p>
+          <a:p>
+            <a:endParaRPr lang="hu-HU" sz="2400" dirty="0">
+              <a:solidFill>
+                <a:schemeClr val="bg1"/>
+              </a:solidFill>
+              <a:latin typeface="Bahnschrift Light" panose="020B0502040204020203" pitchFamily="34" charset="0"/>
+            </a:endParaRPr>
+          </a:p>
+          <a:p>
+            <a:pPr marL="285750" indent="-285750">
               <a:buFont typeface="Arial" panose="020B0604020202020204" pitchFamily="34" charset="0"/>
               <a:buChar char="•"/>
             </a:pPr>
             <a:r>
-              <a:rPr lang="hu-HU" sz="2800" dirty="0">
+              <a:rPr lang="hu-HU" sz="2400" dirty="0">
                 <a:solidFill>
                   <a:schemeClr val="bg1"/>
                 </a:solidFill>
                 <a:latin typeface="Bahnschrift Light" panose="020B0502040204020203" pitchFamily="34" charset="0"/>
               </a:rPr>
-              <a:t>Design fejlesztése</a:t>
-            </a:r>
-          </a:p>
-          <a:p>
-            <a:pPr marL="457200" indent="-457200">
-              <a:lnSpc>
-                <a:spcPct val="200000"/>
-              </a:lnSpc>
-              <a:buFont typeface="Arial" panose="020B0604020202020204" pitchFamily="34" charset="0"/>
-              <a:buChar char="•"/>
-            </a:pPr>
-            <a:r>
-              <a:rPr lang="hu-HU" sz="2800" dirty="0">
+              <a:t>A rendszer használható megoldást kínál a felvázolt problémára: </a:t>
+            </a:r>
+            <a:br>
+              <a:rPr lang="hu-HU" sz="2400" dirty="0">
                 <a:solidFill>
                   <a:schemeClr val="bg1"/>
                 </a:solidFill>
                 <a:latin typeface="Bahnschrift Light" panose="020B0502040204020203" pitchFamily="34" charset="0"/>
               </a:rPr>
-              <a:t>A lekérdezések táblázatos formába történő exportálás</a:t>
-            </a:r>
-          </a:p>
-          <a:p>
-            <a:pPr marL="457200" indent="-457200">
-              <a:lnSpc>
-                <a:spcPct val="200000"/>
-              </a:lnSpc>
-              <a:buFont typeface="Arial" panose="020B0604020202020204" pitchFamily="34" charset="0"/>
-              <a:buChar char="•"/>
-            </a:pPr>
-            <a:r>
-              <a:rPr lang="hu-HU" sz="2800" dirty="0">
+            </a:br>
+            <a:r>
+              <a:rPr lang="hu-HU" sz="2400" dirty="0">
                 <a:solidFill>
                   <a:schemeClr val="bg1"/>
                 </a:solidFill>
                 <a:latin typeface="Bahnschrift Light" panose="020B0502040204020203" pitchFamily="34" charset="0"/>
               </a:rPr>
-              <a:t>Adat-</a:t>
-            </a:r>
-            <a:r>
-              <a:rPr lang="hu-HU" sz="2800" dirty="0" err="1">
-                <a:solidFill>
-                  <a:schemeClr val="bg1"/>
-                </a:solidFill>
-                <a:latin typeface="Bahnschrift Light" panose="020B0502040204020203" pitchFamily="34" charset="0"/>
-              </a:rPr>
-              <a:t>historizáció</a:t>
-            </a:r>
-            <a:r>
-              <a:rPr lang="hu-HU" sz="2800" dirty="0">
-                <a:solidFill>
-                  <a:schemeClr val="bg1"/>
-                </a:solidFill>
-                <a:latin typeface="Bahnschrift Light" panose="020B0502040204020203" pitchFamily="34" charset="0"/>
-              </a:rPr>
-              <a:t> megvalósítása</a:t>
+              <a:t>	A futballban dolgozó játékosmegfigyelők számára 	lecsökkenti a 	szóba jöhető játékosok számát</a:t>
             </a:r>
           </a:p>
         </p:txBody>
@@ -15548,7 +15423,7 @@
     </p:spTree>
     <p:extLst>
       <p:ext uri="{BB962C8B-B14F-4D97-AF65-F5344CB8AC3E}">
-        <p14:creationId xmlns:p14="http://schemas.microsoft.com/office/powerpoint/2010/main" val="1557720927"/>
+        <p14:creationId xmlns:p14="http://schemas.microsoft.com/office/powerpoint/2010/main" val="3747580385"/>
       </p:ext>
     </p:extLst>
   </p:cSld>
@@ -15577,6 +15452,166 @@
       </p:grpSpPr>
       <p:sp>
         <p:nvSpPr>
+          <p:cNvPr id="3" name="Szövegdoboz 2">
+            <a:extLst>
+              <a:ext uri="{FF2B5EF4-FFF2-40B4-BE49-F238E27FC236}">
+                <a16:creationId xmlns:a16="http://schemas.microsoft.com/office/drawing/2014/main" id="{8215BF80-8C55-47C8-A0A9-72836FFCB16E}"/>
+              </a:ext>
+            </a:extLst>
+          </p:cNvPr>
+          <p:cNvSpPr txBox="1"/>
+          <p:nvPr/>
+        </p:nvSpPr>
+        <p:spPr>
+          <a:xfrm>
+            <a:off x="3108643" y="585606"/>
+            <a:ext cx="5014514" cy="523220"/>
+          </a:xfrm>
+          <a:prstGeom prst="rect">
+            <a:avLst/>
+          </a:prstGeom>
+          <a:noFill/>
+        </p:spPr>
+        <p:txBody>
+          <a:bodyPr wrap="none" rtlCol="0">
+            <a:spAutoFit/>
+          </a:bodyPr>
+          <a:lstStyle/>
+          <a:p>
+            <a:r>
+              <a:rPr lang="hu-HU" sz="2800" b="0" i="0" dirty="0">
+                <a:solidFill>
+                  <a:schemeClr val="bg1"/>
+                </a:solidFill>
+                <a:effectLst/>
+                <a:latin typeface="Bahnschrift" panose="020B0502040204020203" pitchFamily="34" charset="0"/>
+              </a:rPr>
+              <a:t>Továbbfejlesztési lehetőségek</a:t>
+            </a:r>
+            <a:endParaRPr lang="hu-HU" sz="2800" dirty="0">
+              <a:solidFill>
+                <a:schemeClr val="bg1"/>
+              </a:solidFill>
+              <a:latin typeface="Bahnschrift" panose="020B0502040204020203" pitchFamily="34" charset="0"/>
+            </a:endParaRPr>
+          </a:p>
+        </p:txBody>
+      </p:sp>
+      <p:sp>
+        <p:nvSpPr>
+          <p:cNvPr id="2" name="Szövegdoboz 1">
+            <a:extLst>
+              <a:ext uri="{FF2B5EF4-FFF2-40B4-BE49-F238E27FC236}">
+                <a16:creationId xmlns:a16="http://schemas.microsoft.com/office/drawing/2014/main" id="{81E6FCAE-73E6-48E1-88C6-2A71DC5EC189}"/>
+              </a:ext>
+            </a:extLst>
+          </p:cNvPr>
+          <p:cNvSpPr txBox="1"/>
+          <p:nvPr/>
+        </p:nvSpPr>
+        <p:spPr>
+          <a:xfrm>
+            <a:off x="876300" y="2335463"/>
+            <a:ext cx="11029950" cy="2187074"/>
+          </a:xfrm>
+          <a:prstGeom prst="rect">
+            <a:avLst/>
+          </a:prstGeom>
+          <a:noFill/>
+        </p:spPr>
+        <p:txBody>
+          <a:bodyPr wrap="square" rtlCol="0">
+            <a:spAutoFit/>
+          </a:bodyPr>
+          <a:lstStyle/>
+          <a:p>
+            <a:pPr marL="285750" indent="-285750">
+              <a:lnSpc>
+                <a:spcPct val="200000"/>
+              </a:lnSpc>
+              <a:buFont typeface="Arial" panose="020B0604020202020204" pitchFamily="34" charset="0"/>
+              <a:buChar char="•"/>
+            </a:pPr>
+            <a:r>
+              <a:rPr lang="hu-HU" sz="2400" dirty="0">
+                <a:solidFill>
+                  <a:schemeClr val="bg1"/>
+                </a:solidFill>
+                <a:latin typeface="Bahnschrift Light" panose="020B0502040204020203" pitchFamily="34" charset="0"/>
+              </a:rPr>
+              <a:t> Több gépi tanulással támogatott funkció implementálása</a:t>
+            </a:r>
+          </a:p>
+          <a:p>
+            <a:pPr marL="457200" indent="-457200">
+              <a:lnSpc>
+                <a:spcPct val="200000"/>
+              </a:lnSpc>
+              <a:buFont typeface="Arial" panose="020B0604020202020204" pitchFamily="34" charset="0"/>
+              <a:buChar char="•"/>
+            </a:pPr>
+            <a:r>
+              <a:rPr lang="hu-HU" sz="2400" dirty="0">
+                <a:solidFill>
+                  <a:schemeClr val="bg1"/>
+                </a:solidFill>
+                <a:latin typeface="Bahnschrift Light" panose="020B0502040204020203" pitchFamily="34" charset="0"/>
+              </a:rPr>
+              <a:t>A lekérdezések táblázatos formába történő exportálás</a:t>
+            </a:r>
+          </a:p>
+          <a:p>
+            <a:pPr marL="457200" indent="-457200">
+              <a:lnSpc>
+                <a:spcPct val="200000"/>
+              </a:lnSpc>
+              <a:buFont typeface="Arial" panose="020B0604020202020204" pitchFamily="34" charset="0"/>
+              <a:buChar char="•"/>
+            </a:pPr>
+            <a:r>
+              <a:rPr lang="hu-HU" sz="2400" dirty="0">
+                <a:solidFill>
+                  <a:schemeClr val="bg1"/>
+                </a:solidFill>
+                <a:latin typeface="Bahnschrift Light" panose="020B0502040204020203" pitchFamily="34" charset="0"/>
+              </a:rPr>
+              <a:t>Játékosok fejlődésének elemzése BI riportok segítségével</a:t>
+            </a:r>
+          </a:p>
+        </p:txBody>
+      </p:sp>
+    </p:spTree>
+    <p:extLst>
+      <p:ext uri="{BB962C8B-B14F-4D97-AF65-F5344CB8AC3E}">
+        <p14:creationId xmlns:p14="http://schemas.microsoft.com/office/powerpoint/2010/main" val="1557720927"/>
+      </p:ext>
+    </p:extLst>
+  </p:cSld>
+  <p:clrMapOvr>
+    <a:masterClrMapping/>
+  </p:clrMapOvr>
+</p:sld>
+</file>
+
+<file path=ppt/slides/slide8.xml><?xml version="1.0" encoding="utf-8"?>
+<p:sld xmlns:a="http://schemas.openxmlformats.org/drawingml/2006/main" xmlns:r="http://schemas.openxmlformats.org/officeDocument/2006/relationships" xmlns:p="http://schemas.openxmlformats.org/presentationml/2006/main">
+  <p:cSld>
+    <p:spTree>
+      <p:nvGrpSpPr>
+        <p:cNvPr id="1" name=""/>
+        <p:cNvGrpSpPr/>
+        <p:nvPr/>
+      </p:nvGrpSpPr>
+      <p:grpSpPr>
+        <a:xfrm>
+          <a:off x="0" y="0"/>
+          <a:ext cx="0" cy="0"/>
+          <a:chOff x="0" y="0"/>
+          <a:chExt cx="0" cy="0"/>
+        </a:xfrm>
+      </p:grpSpPr>
+      <p:sp>
+        <p:nvSpPr>
           <p:cNvPr id="2" name="Title 1">
             <a:extLst>
               <a:ext uri="{FF2B5EF4-FFF2-40B4-BE49-F238E27FC236}">
@@ -15600,31 +15635,6 @@
               <a:rPr lang="hu-HU" dirty="0"/>
               <a:t>Köszönöm a figyelmet!</a:t>
             </a:r>
-            <a:endParaRPr lang="en-US" dirty="0"/>
-          </a:p>
-        </p:txBody>
-      </p:sp>
-      <p:sp>
-        <p:nvSpPr>
-          <p:cNvPr id="3" name="Text Placeholder 2">
-            <a:extLst>
-              <a:ext uri="{FF2B5EF4-FFF2-40B4-BE49-F238E27FC236}">
-                <a16:creationId xmlns:a16="http://schemas.microsoft.com/office/drawing/2014/main" id="{84EE2AAA-1B42-2D46-AD75-2389994F15AD}"/>
-              </a:ext>
-            </a:extLst>
-          </p:cNvPr>
-          <p:cNvSpPr>
-            <a:spLocks noGrp="1"/>
-          </p:cNvSpPr>
-          <p:nvPr>
-            <p:ph type="body" sz="quarter" idx="10"/>
-          </p:nvPr>
-        </p:nvSpPr>
-        <p:spPr/>
-        <p:txBody>
-          <a:bodyPr/>
-          <a:lstStyle/>
-          <a:p>
             <a:endParaRPr lang="en-US" dirty="0"/>
           </a:p>
         </p:txBody>
